--- a/fig/jenkins-pipeline-v01.pptx
+++ b/fig/jenkins-pipeline-v01.pptx
@@ -863,13 +863,8 @@
             </a:r>
             <a:r>
               <a:rPr lang="en-US" dirty="0" smtClean="0"/>
-              <a:t>-pipelines-</a:t>
-            </a:r>
-            <a:r>
-              <a:rPr lang="en-US" dirty="0" err="1" smtClean="0"/>
-              <a:t>jenkins</a:t>
-            </a:r>
-            <a:endParaRPr lang="en-US" dirty="0" smtClean="0"/>
+              <a:t>-pipelines-jenkins</a:t>
+            </a:r>
           </a:p>
           <a:p>
             <a:r>
@@ -6115,7 +6110,7 @@
         </p:nvSpPr>
         <p:spPr>
           <a:xfrm>
-            <a:off x="5285467" y="2947878"/>
+            <a:off x="5285467" y="1972640"/>
             <a:ext cx="1275325" cy="865998"/>
           </a:xfrm>
           <a:prstGeom prst="rect">
@@ -6229,7 +6224,7 @@
         </p:nvSpPr>
         <p:spPr>
           <a:xfrm>
-            <a:off x="6874052" y="2584789"/>
+            <a:off x="6874052" y="1609551"/>
             <a:ext cx="1385722" cy="577332"/>
           </a:xfrm>
           <a:prstGeom prst="rect">
@@ -6352,7 +6347,7 @@
         </p:nvCxnSpPr>
         <p:spPr>
           <a:xfrm flipV="1">
-            <a:off x="7203802" y="3162121"/>
+            <a:off x="7203802" y="2186883"/>
             <a:ext cx="0" cy="1089140"/>
           </a:xfrm>
           <a:prstGeom prst="straightConnector1">
@@ -6388,7 +6383,7 @@
         </p:nvSpPr>
         <p:spPr>
           <a:xfrm>
-            <a:off x="5285467" y="4081621"/>
+            <a:off x="4321770" y="3106383"/>
             <a:ext cx="1249776" cy="822960"/>
           </a:xfrm>
           <a:prstGeom prst="can">
@@ -6429,7 +6424,7 @@
                 <a:latin typeface="Open Sans Light"/>
                 <a:cs typeface="Open Sans Light"/>
               </a:rPr>
-              <a:t>work</a:t>
+              <a:t>workspace</a:t>
             </a:r>
             <a:endParaRPr lang="en-US" sz="1600" dirty="0">
               <a:latin typeface="Open Sans Light"/>
@@ -6449,8 +6444,8 @@
         </p:nvCxnSpPr>
         <p:spPr>
           <a:xfrm flipH="1">
-            <a:off x="5910355" y="2873455"/>
-            <a:ext cx="963697" cy="1208166"/>
+            <a:off x="4946658" y="1898217"/>
+            <a:ext cx="1927394" cy="1208166"/>
           </a:xfrm>
           <a:prstGeom prst="straightConnector1">
             <a:avLst/>
@@ -6521,7 +6516,7 @@
         </p:nvSpPr>
         <p:spPr>
           <a:xfrm>
-            <a:off x="6944211" y="4081621"/>
+            <a:off x="6944211" y="3106383"/>
             <a:ext cx="1249776" cy="822960"/>
           </a:xfrm>
           <a:prstGeom prst="can">
@@ -6596,7 +6591,7 @@
         </p:nvSpPr>
         <p:spPr>
           <a:xfrm>
-            <a:off x="6896294" y="3352011"/>
+            <a:off x="6896294" y="2376773"/>
             <a:ext cx="1275325" cy="577332"/>
           </a:xfrm>
           <a:prstGeom prst="rect">
@@ -6658,6 +6653,185 @@
           </a:p>
         </p:txBody>
       </p:sp>
+      <p:sp>
+        <p:nvSpPr>
+          <p:cNvPr id="34" name="Rectangle 33"/>
+          <p:cNvSpPr/>
+          <p:nvPr/>
+        </p:nvSpPr>
+        <p:spPr>
+          <a:xfrm>
+            <a:off x="4102604" y="3810389"/>
+            <a:ext cx="1807751" cy="493356"/>
+          </a:xfrm>
+          <a:prstGeom prst="rect">
+            <a:avLst/>
+          </a:prstGeom>
+          <a:noFill/>
+          <a:ln>
+            <a:noFill/>
+          </a:ln>
+        </p:spPr>
+        <p:style>
+          <a:lnRef idx="2">
+            <a:schemeClr val="accent1">
+              <a:shade val="50000"/>
+            </a:schemeClr>
+          </a:lnRef>
+          <a:fillRef idx="1">
+            <a:schemeClr val="accent1"/>
+          </a:fillRef>
+          <a:effectRef idx="0">
+            <a:schemeClr val="accent1"/>
+          </a:effectRef>
+          <a:fontRef idx="minor">
+            <a:schemeClr val="lt1"/>
+          </a:fontRef>
+        </p:style>
+        <p:txBody>
+          <a:bodyPr lIns="68681" tIns="34340" rIns="68681" bIns="34340" anchor="ctr"/>
+          <a:lstStyle/>
+          <a:p>
+            <a:pPr algn="ctr" defTabSz="343403" eaLnBrk="1" fontAlgn="auto" hangingPunct="1">
+              <a:spcBef>
+                <a:spcPts val="0"/>
+              </a:spcBef>
+              <a:spcAft>
+                <a:spcPts val="0"/>
+              </a:spcAft>
+              <a:defRPr/>
+            </a:pPr>
+            <a:r>
+              <a:rPr lang="en-US" sz="1600" dirty="0" smtClean="0">
+                <a:solidFill>
+                  <a:schemeClr val="accent2"/>
+                </a:solidFill>
+                <a:latin typeface="Open Sans Light"/>
+                <a:ea typeface="Open Sans Light" charset="0"/>
+                <a:cs typeface="Open Sans Light"/>
+              </a:rPr>
+              <a:t>/var/lib/jenkins/</a:t>
+            </a:r>
+            <a:endParaRPr lang="en-US" sz="1600" dirty="0">
+              <a:solidFill>
+                <a:schemeClr val="accent2"/>
+              </a:solidFill>
+              <a:latin typeface="Open Sans Light"/>
+              <a:ea typeface="Open Sans Light" charset="0"/>
+              <a:cs typeface="Open Sans Light"/>
+            </a:endParaRPr>
+          </a:p>
+        </p:txBody>
+      </p:sp>
+      <p:sp>
+        <p:nvSpPr>
+          <p:cNvPr id="36" name="Rectangle 35"/>
+          <p:cNvSpPr/>
+          <p:nvPr/>
+        </p:nvSpPr>
+        <p:spPr>
+          <a:xfrm>
+            <a:off x="5620969" y="3117002"/>
+            <a:ext cx="1275325" cy="420467"/>
+          </a:xfrm>
+          <a:prstGeom prst="rect">
+            <a:avLst/>
+          </a:prstGeom>
+          <a:noFill/>
+          <a:ln>
+            <a:noFill/>
+          </a:ln>
+        </p:spPr>
+        <p:style>
+          <a:lnRef idx="2">
+            <a:schemeClr val="accent1">
+              <a:shade val="50000"/>
+            </a:schemeClr>
+          </a:lnRef>
+          <a:fillRef idx="1">
+            <a:schemeClr val="accent1"/>
+          </a:fillRef>
+          <a:effectRef idx="0">
+            <a:schemeClr val="accent1"/>
+          </a:effectRef>
+          <a:fontRef idx="minor">
+            <a:schemeClr val="lt1"/>
+          </a:fontRef>
+        </p:style>
+        <p:txBody>
+          <a:bodyPr lIns="68681" tIns="34340" rIns="68681" bIns="34340" anchor="ctr"/>
+          <a:lstStyle/>
+          <a:p>
+            <a:pPr algn="ctr" defTabSz="343403" eaLnBrk="1" fontAlgn="auto" hangingPunct="1">
+              <a:spcBef>
+                <a:spcPts val="0"/>
+              </a:spcBef>
+              <a:spcAft>
+                <a:spcPts val="0"/>
+              </a:spcAft>
+              <a:defRPr/>
+            </a:pPr>
+            <a:r>
+              <a:rPr lang="en-US" sz="1600" dirty="0" smtClean="0">
+                <a:solidFill>
+                  <a:schemeClr val="accent2"/>
+                </a:solidFill>
+                <a:latin typeface="Courier New"/>
+                <a:ea typeface="Open Sans Light" charset="0"/>
+                <a:cs typeface="Courier New"/>
+              </a:rPr>
+              <a:t>git url:</a:t>
+            </a:r>
+            <a:endParaRPr lang="en-US" sz="1600" dirty="0">
+              <a:solidFill>
+                <a:schemeClr val="accent2"/>
+              </a:solidFill>
+              <a:latin typeface="Courier New"/>
+              <a:ea typeface="Open Sans Light" charset="0"/>
+              <a:cs typeface="Courier New"/>
+            </a:endParaRPr>
+          </a:p>
+        </p:txBody>
+      </p:sp>
+      <p:cxnSp>
+        <p:nvCxnSpPr>
+          <p:cNvPr id="37" name="Straight Arrow Connector 36"/>
+          <p:cNvCxnSpPr>
+            <a:stCxn id="14" idx="2"/>
+            <a:endCxn id="10" idx="4"/>
+          </p:cNvCxnSpPr>
+          <p:nvPr/>
+        </p:nvCxnSpPr>
+        <p:spPr>
+          <a:xfrm flipH="1">
+            <a:off x="5571546" y="3517863"/>
+            <a:ext cx="1372665" cy="0"/>
+          </a:xfrm>
+          <a:prstGeom prst="straightConnector1">
+            <a:avLst/>
+          </a:prstGeom>
+          <a:ln w="12700">
+            <a:solidFill>
+              <a:schemeClr val="tx1"/>
+            </a:solidFill>
+            <a:tailEnd type="triangle" w="lg" len="lg"/>
+          </a:ln>
+        </p:spPr>
+        <p:style>
+          <a:lnRef idx="1">
+            <a:schemeClr val="accent1"/>
+          </a:lnRef>
+          <a:fillRef idx="0">
+            <a:schemeClr val="accent1"/>
+          </a:fillRef>
+          <a:effectRef idx="0">
+            <a:schemeClr val="accent1"/>
+          </a:effectRef>
+          <a:fontRef idx="minor">
+            <a:schemeClr val="tx1"/>
+          </a:fontRef>
+        </p:style>
+      </p:cxnSp>
     </p:spTree>
     <p:extLst>
       <p:ext uri="{BB962C8B-B14F-4D97-AF65-F5344CB8AC3E}">
@@ -7048,6 +7222,123 @@
                       </p:childTnLst>
                     </p:cTn>
                   </p:par>
+                  <p:par>
+                    <p:cTn id="34" fill="hold">
+                      <p:stCondLst>
+                        <p:cond delay="indefinite"/>
+                      </p:stCondLst>
+                      <p:childTnLst>
+                        <p:par>
+                          <p:cTn id="35" fill="hold">
+                            <p:stCondLst>
+                              <p:cond delay="0"/>
+                            </p:stCondLst>
+                            <p:childTnLst>
+                              <p:par>
+                                <p:cTn id="36" presetID="1" presetClass="entr" presetSubtype="0" fill="hold" grpId="0" nodeType="clickEffect">
+                                  <p:stCondLst>
+                                    <p:cond delay="0"/>
+                                  </p:stCondLst>
+                                  <p:childTnLst>
+                                    <p:set>
+                                      <p:cBhvr>
+                                        <p:cTn id="37" dur="1" fill="hold">
+                                          <p:stCondLst>
+                                            <p:cond delay="0"/>
+                                          </p:stCondLst>
+                                        </p:cTn>
+                                        <p:tgtEl>
+                                          <p:spTgt spid="34"/>
+                                        </p:tgtEl>
+                                        <p:attrNameLst>
+                                          <p:attrName>style.visibility</p:attrName>
+                                        </p:attrNameLst>
+                                      </p:cBhvr>
+                                      <p:to>
+                                        <p:strVal val="visible"/>
+                                      </p:to>
+                                    </p:set>
+                                  </p:childTnLst>
+                                </p:cTn>
+                              </p:par>
+                            </p:childTnLst>
+                          </p:cTn>
+                        </p:par>
+                      </p:childTnLst>
+                    </p:cTn>
+                  </p:par>
+                  <p:par>
+                    <p:cTn id="38" fill="hold">
+                      <p:stCondLst>
+                        <p:cond delay="indefinite"/>
+                      </p:stCondLst>
+                      <p:childTnLst>
+                        <p:par>
+                          <p:cTn id="39" fill="hold">
+                            <p:stCondLst>
+                              <p:cond delay="0"/>
+                            </p:stCondLst>
+                            <p:childTnLst>
+                              <p:par>
+                                <p:cTn id="40" presetID="1" presetClass="entr" presetSubtype="0" fill="hold" grpId="0" nodeType="clickEffect">
+                                  <p:stCondLst>
+                                    <p:cond delay="0"/>
+                                  </p:stCondLst>
+                                  <p:childTnLst>
+                                    <p:set>
+                                      <p:cBhvr>
+                                        <p:cTn id="41" dur="1" fill="hold">
+                                          <p:stCondLst>
+                                            <p:cond delay="0"/>
+                                          </p:stCondLst>
+                                        </p:cTn>
+                                        <p:tgtEl>
+                                          <p:spTgt spid="36"/>
+                                        </p:tgtEl>
+                                        <p:attrNameLst>
+                                          <p:attrName>style.visibility</p:attrName>
+                                        </p:attrNameLst>
+                                      </p:cBhvr>
+                                      <p:to>
+                                        <p:strVal val="visible"/>
+                                      </p:to>
+                                    </p:set>
+                                  </p:childTnLst>
+                                </p:cTn>
+                              </p:par>
+                              <p:par>
+                                <p:cTn id="42" presetID="1" presetClass="entr" presetSubtype="0" fill="hold" nodeType="withEffect">
+                                  <p:stCondLst>
+                                    <p:cond delay="0"/>
+                                  </p:stCondLst>
+                                  <p:childTnLst>
+                                    <p:set>
+                                      <p:cBhvr>
+                                        <p:cTn id="43" dur="1" fill="hold">
+                                          <p:stCondLst>
+                                            <p:cond delay="0"/>
+                                          </p:stCondLst>
+                                        </p:cTn>
+                                        <p:tgtEl>
+                                          <p:spTgt spid="37"/>
+                                        </p:tgtEl>
+                                        <p:attrNameLst>
+                                          <p:attrName>style.visibility</p:attrName>
+                                        </p:attrNameLst>
+                                      </p:cBhvr>
+                                      <p:to>
+                                        <p:strVal val="visible"/>
+                                      </p:to>
+                                    </p:set>
+                                  </p:childTnLst>
+                                </p:cTn>
+                              </p:par>
+                            </p:childTnLst>
+                          </p:cTn>
+                        </p:par>
+                      </p:childTnLst>
+                    </p:cTn>
+                  </p:par>
                 </p:childTnLst>
               </p:cTn>
               <p:prevCondLst>
@@ -7077,6 +7368,8 @@
       <p:bldP spid="13" grpId="0"/>
       <p:bldP spid="14" grpId="0" animBg="1"/>
       <p:bldP spid="28" grpId="0"/>
+      <p:bldP spid="34" grpId="0"/>
+      <p:bldP spid="36" grpId="0"/>
     </p:bldLst>
   </p:timing>
 </p:sld>
